--- a/course/sa/LectureNotes/(Spring2018)Lecture3.pptx
+++ b/course/sa/LectureNotes/(Spring2018)Lecture3.pptx
@@ -258,7 +258,7 @@
                 <a:ea typeface="微软雅黑" panose="020B0503020204020204" pitchFamily="34" charset="-122"/>
               </a:rPr>
               <a:pPr algn="r" rtl="0"/>
-              <a:t>2018/3/5</a:t>
+              <a:t>2018/3/8</a:t>
             </a:fld>
             <a:endParaRPr lang="zh-CN" altLang="en-US" dirty="0">
               <a:latin typeface="微软雅黑" panose="020B0503020204020204" pitchFamily="34" charset="-122"/>
@@ -445,7 +445,7 @@
             <a:fld id="{229B22C3-6CB1-491B-AD00-E0837F23A3F3}" type="datetime1">
               <a:rPr lang="zh-CN" altLang="en-US" smtClean="0"/>
               <a:pPr/>
-              <a:t>2018/3/5</a:t>
+              <a:t>2018/3/8</a:t>
             </a:fld>
             <a:endParaRPr lang="zh-CN" altLang="en-US" dirty="0"/>
           </a:p>
@@ -1041,7 +1041,7 @@
             <a:fld id="{A7392AAC-879E-4B39-8824-AF6B730A809E}" type="datetime1">
               <a:rPr lang="zh-CN" altLang="en-US" smtClean="0"/>
               <a:pPr/>
-              <a:t>2018/3/5</a:t>
+              <a:t>2018/3/8</a:t>
             </a:fld>
             <a:endParaRPr lang="zh-CN" altLang="en-US" dirty="0"/>
           </a:p>
@@ -1382,7 +1382,7 @@
             <a:fld id="{7118C275-B304-48F5-8C4F-015CBCF4E7C1}" type="datetime1">
               <a:rPr lang="zh-CN" altLang="en-US" smtClean="0"/>
               <a:pPr/>
-              <a:t>2018/3/5</a:t>
+              <a:t>2018/3/8</a:t>
             </a:fld>
             <a:r>
               <a:rPr lang="zh-CN" altLang="en-US" dirty="0"/>
@@ -1588,7 +1588,7 @@
             <a:fld id="{98791AA9-DDCB-4BA8-AD1D-963A3AA00622}" type="datetime1">
               <a:rPr lang="zh-CN" altLang="en-US" smtClean="0"/>
               <a:pPr/>
-              <a:t>2018/3/5</a:t>
+              <a:t>2018/3/8</a:t>
             </a:fld>
             <a:endParaRPr lang="zh-CN" altLang="en-US" dirty="0"/>
           </a:p>
@@ -1792,7 +1792,7 @@
             <a:fld id="{9170426F-E661-472B-BE42-25E072CD46D9}" type="datetime1">
               <a:rPr lang="zh-CN" altLang="en-US" smtClean="0"/>
               <a:pPr/>
-              <a:t>2018/3/5</a:t>
+              <a:t>2018/3/8</a:t>
             </a:fld>
             <a:endParaRPr lang="zh-CN" altLang="en-US" dirty="0"/>
           </a:p>
@@ -2114,7 +2114,7 @@
             <a:fld id="{9BA78444-6099-4C0A-A3A9-C6F3C5D7F289}" type="datetime1">
               <a:rPr lang="zh-CN" altLang="en-US" smtClean="0"/>
               <a:pPr/>
-              <a:t>2018/3/5</a:t>
+              <a:t>2018/3/8</a:t>
             </a:fld>
             <a:endParaRPr lang="zh-CN" altLang="en-US" dirty="0"/>
           </a:p>
@@ -3226,7 +3226,7 @@
             <a:fld id="{AF5F6A19-70BF-4380-9A40-68C9536408C6}" type="datetime1">
               <a:rPr lang="zh-CN" altLang="en-US" smtClean="0"/>
               <a:pPr/>
-              <a:t>2018/3/5</a:t>
+              <a:t>2018/3/8</a:t>
             </a:fld>
             <a:endParaRPr lang="zh-CN" altLang="en-US" dirty="0"/>
           </a:p>
@@ -3625,7 +3625,7 @@
             <a:fld id="{6017EB90-196C-4C15-BD31-13E0E0436C73}" type="datetime1">
               <a:rPr lang="zh-CN" altLang="en-US" smtClean="0"/>
               <a:pPr/>
-              <a:t>2018/3/5</a:t>
+              <a:t>2018/3/8</a:t>
             </a:fld>
             <a:r>
               <a:rPr lang="zh-CN" altLang="en-US" dirty="0"/>
@@ -4107,7 +4107,7 @@
             <a:fld id="{C2EC0F41-B48F-4298-A7F6-618EB9D22195}" type="datetime1">
               <a:rPr lang="zh-CN" altLang="en-US" smtClean="0"/>
               <a:pPr/>
-              <a:t>2018/3/5</a:t>
+              <a:t>2018/3/8</a:t>
             </a:fld>
             <a:endParaRPr lang="zh-CN" altLang="en-US" dirty="0"/>
           </a:p>
@@ -4258,7 +4258,7 @@
             <a:fld id="{7DB2D836-56E8-4B15-857C-14B1A5B3B67B}" type="datetime1">
               <a:rPr lang="zh-CN" altLang="en-US" smtClean="0"/>
               <a:pPr/>
-              <a:t>2018/3/5</a:t>
+              <a:t>2018/3/8</a:t>
             </a:fld>
             <a:endParaRPr lang="zh-CN" altLang="en-US" dirty="0"/>
           </a:p>
@@ -4376,7 +4376,7 @@
             <a:fld id="{038D929F-7D8C-4CC3-8AC7-BB9B8FE2DEBF}" type="datetime1">
               <a:rPr lang="zh-CN" altLang="en-US" smtClean="0"/>
               <a:pPr/>
-              <a:t>2018/3/5</a:t>
+              <a:t>2018/3/8</a:t>
             </a:fld>
             <a:endParaRPr lang="zh-CN" altLang="en-US" dirty="0"/>
           </a:p>
@@ -4679,7 +4679,7 @@
             <a:fld id="{F7892ACC-8BC8-4C9E-9D2B-0669DA5038B6}" type="datetime1">
               <a:rPr lang="zh-CN" altLang="en-US" smtClean="0"/>
               <a:pPr/>
-              <a:t>2018/3/5</a:t>
+              <a:t>2018/3/8</a:t>
             </a:fld>
             <a:endParaRPr lang="zh-CN" altLang="en-US" dirty="0"/>
           </a:p>
@@ -4945,7 +4945,7 @@
             <a:fld id="{660B6A15-7713-4A08-BBFD-F297CCC2B976}" type="datetime1">
               <a:rPr lang="zh-CN" altLang="en-US" smtClean="0"/>
               <a:pPr/>
-              <a:t>2018/3/5</a:t>
+              <a:t>2018/3/8</a:t>
             </a:fld>
             <a:r>
               <a:rPr lang="zh-CN" altLang="en-US" dirty="0"/>
@@ -8028,15 +8028,15 @@
             </a:r>
             <a:r>
               <a:rPr lang="en-US" altLang="zh-CN" sz="3300" dirty="0"/>
-              <a:t>Independent components asynchronously emit(</a:t>
-            </a:r>
-            <a:r>
-              <a:rPr lang="zh-CN" altLang="en-US" sz="3300" dirty="0"/>
-              <a:t>发出</a:t>
+              <a:t>Independent components </a:t>
+            </a:r>
+            <a:r>
+              <a:rPr lang="en-US" altLang="zh-CN" sz="3300"/>
+              <a:t>asynchronously emit and </a:t>
             </a:r>
             <a:r>
               <a:rPr lang="en-US" altLang="zh-CN" sz="3300" dirty="0"/>
-              <a:t>) and receive events communicated over event buses </a:t>
+              <a:t>receive events communicated over event buses </a:t>
             </a:r>
           </a:p>
           <a:p>
@@ -17759,6 +17759,132 @@
 </file>
 
 <file path=customXml/item1.xml><?xml version="1.0" encoding="utf-8"?>
+<p:properties xmlns:p="http://schemas.microsoft.com/office/2006/metadata/properties" xmlns:xsi="http://www.w3.org/2001/XMLSchema-instance" xmlns:pc="http://schemas.microsoft.com/office/infopath/2007/PartnerControls">
+  <documentManagement>
+    <APDescription xmlns="4873beb7-5857-4685-be1f-d57550cc96cc" xsi:nil="true"/>
+    <AssetExpire xmlns="4873beb7-5857-4685-be1f-d57550cc96cc">2029-01-01T08:00:00+00:00</AssetExpire>
+    <CampaignTagsTaxHTField0 xmlns="4873beb7-5857-4685-be1f-d57550cc96cc">
+      <Terms xmlns="http://schemas.microsoft.com/office/infopath/2007/PartnerControls"/>
+    </CampaignTagsTaxHTField0>
+    <IntlLangReviewDate xmlns="4873beb7-5857-4685-be1f-d57550cc96cc" xsi:nil="true"/>
+    <TPFriendlyName xmlns="4873beb7-5857-4685-be1f-d57550cc96cc" xsi:nil="true"/>
+    <IntlLangReview xmlns="4873beb7-5857-4685-be1f-d57550cc96cc">false</IntlLangReview>
+    <LocLastLocAttemptVersionLookup xmlns="4873beb7-5857-4685-be1f-d57550cc96cc">855024</LocLastLocAttemptVersionLookup>
+    <PolicheckWords xmlns="4873beb7-5857-4685-be1f-d57550cc96cc" xsi:nil="true"/>
+    <SubmitterId xmlns="4873beb7-5857-4685-be1f-d57550cc96cc" xsi:nil="true"/>
+    <AcquiredFrom xmlns="4873beb7-5857-4685-be1f-d57550cc96cc">Internal MS</AcquiredFrom>
+    <EditorialStatus xmlns="4873beb7-5857-4685-be1f-d57550cc96cc">Complete</EditorialStatus>
+    <Markets xmlns="4873beb7-5857-4685-be1f-d57550cc96cc"/>
+    <OriginAsset xmlns="4873beb7-5857-4685-be1f-d57550cc96cc" xsi:nil="true"/>
+    <AssetStart xmlns="4873beb7-5857-4685-be1f-d57550cc96cc">2012-08-31T08:50:00+00:00</AssetStart>
+    <FriendlyTitle xmlns="4873beb7-5857-4685-be1f-d57550cc96cc" xsi:nil="true"/>
+    <MarketSpecific xmlns="4873beb7-5857-4685-be1f-d57550cc96cc">false</MarketSpecific>
+    <TPNamespace xmlns="4873beb7-5857-4685-be1f-d57550cc96cc" xsi:nil="true"/>
+    <PublishStatusLookup xmlns="4873beb7-5857-4685-be1f-d57550cc96cc">
+      <Value>1616423</Value>
+    </PublishStatusLookup>
+    <APAuthor xmlns="4873beb7-5857-4685-be1f-d57550cc96cc">
+      <UserInfo>
+        <DisplayName>REDMOND\kristaa</DisplayName>
+        <AccountId>136</AccountId>
+        <AccountType/>
+      </UserInfo>
+    </APAuthor>
+    <TPCommandLine xmlns="4873beb7-5857-4685-be1f-d57550cc96cc" xsi:nil="true"/>
+    <IntlLangReviewer xmlns="4873beb7-5857-4685-be1f-d57550cc96cc" xsi:nil="true"/>
+    <OpenTemplate xmlns="4873beb7-5857-4685-be1f-d57550cc96cc">true</OpenTemplate>
+    <CSXSubmissionDate xmlns="4873beb7-5857-4685-be1f-d57550cc96cc" xsi:nil="true"/>
+    <TaxCatchAll xmlns="4873beb7-5857-4685-be1f-d57550cc96cc"/>
+    <Manager xmlns="4873beb7-5857-4685-be1f-d57550cc96cc" xsi:nil="true"/>
+    <NumericId xmlns="4873beb7-5857-4685-be1f-d57550cc96cc" xsi:nil="true"/>
+    <ParentAssetId xmlns="4873beb7-5857-4685-be1f-d57550cc96cc" xsi:nil="true"/>
+    <OriginalSourceMarket xmlns="4873beb7-5857-4685-be1f-d57550cc96cc" xsi:nil="true"/>
+    <ApprovalStatus xmlns="4873beb7-5857-4685-be1f-d57550cc96cc">InProgress</ApprovalStatus>
+    <TPComponent xmlns="4873beb7-5857-4685-be1f-d57550cc96cc" xsi:nil="true"/>
+    <EditorialTags xmlns="4873beb7-5857-4685-be1f-d57550cc96cc" xsi:nil="true"/>
+    <TPExecutable xmlns="4873beb7-5857-4685-be1f-d57550cc96cc" xsi:nil="true"/>
+    <TPLaunchHelpLink xmlns="4873beb7-5857-4685-be1f-d57550cc96cc" xsi:nil="true"/>
+    <LocComments xmlns="4873beb7-5857-4685-be1f-d57550cc96cc" xsi:nil="true"/>
+    <LocRecommendedHandoff xmlns="4873beb7-5857-4685-be1f-d57550cc96cc" xsi:nil="true"/>
+    <SourceTitle xmlns="4873beb7-5857-4685-be1f-d57550cc96cc" xsi:nil="true"/>
+    <CSXUpdate xmlns="4873beb7-5857-4685-be1f-d57550cc96cc">false</CSXUpdate>
+    <IntlLocPriority xmlns="4873beb7-5857-4685-be1f-d57550cc96cc" xsi:nil="true"/>
+    <UAProjectedTotalWords xmlns="4873beb7-5857-4685-be1f-d57550cc96cc" xsi:nil="true"/>
+    <AssetType xmlns="4873beb7-5857-4685-be1f-d57550cc96cc">TP</AssetType>
+    <MachineTranslated xmlns="4873beb7-5857-4685-be1f-d57550cc96cc">false</MachineTranslated>
+    <OutputCachingOn xmlns="4873beb7-5857-4685-be1f-d57550cc96cc">false</OutputCachingOn>
+    <TemplateStatus xmlns="4873beb7-5857-4685-be1f-d57550cc96cc">Complete</TemplateStatus>
+    <IsSearchable xmlns="4873beb7-5857-4685-be1f-d57550cc96cc">true</IsSearchable>
+    <ContentItem xmlns="4873beb7-5857-4685-be1f-d57550cc96cc" xsi:nil="true"/>
+    <HandoffToMSDN xmlns="4873beb7-5857-4685-be1f-d57550cc96cc" xsi:nil="true"/>
+    <ShowIn xmlns="4873beb7-5857-4685-be1f-d57550cc96cc">Show everywhere</ShowIn>
+    <ThumbnailAssetId xmlns="4873beb7-5857-4685-be1f-d57550cc96cc" xsi:nil="true"/>
+    <UALocComments xmlns="4873beb7-5857-4685-be1f-d57550cc96cc" xsi:nil="true"/>
+    <UALocRecommendation xmlns="4873beb7-5857-4685-be1f-d57550cc96cc">Localize</UALocRecommendation>
+    <LastModifiedDateTime xmlns="4873beb7-5857-4685-be1f-d57550cc96cc" xsi:nil="true"/>
+    <LegacyData xmlns="4873beb7-5857-4685-be1f-d57550cc96cc" xsi:nil="true"/>
+    <LocManualTestRequired xmlns="4873beb7-5857-4685-be1f-d57550cc96cc">false</LocManualTestRequired>
+    <LocMarketGroupTiers2 xmlns="4873beb7-5857-4685-be1f-d57550cc96cc" xsi:nil="true"/>
+    <ClipArtFilename xmlns="4873beb7-5857-4685-be1f-d57550cc96cc" xsi:nil="true"/>
+    <TPApplication xmlns="4873beb7-5857-4685-be1f-d57550cc96cc" xsi:nil="true"/>
+    <CSXHash xmlns="4873beb7-5857-4685-be1f-d57550cc96cc" xsi:nil="true"/>
+    <DirectSourceMarket xmlns="4873beb7-5857-4685-be1f-d57550cc96cc" xsi:nil="true"/>
+    <PrimaryImageGen xmlns="4873beb7-5857-4685-be1f-d57550cc96cc">true</PrimaryImageGen>
+    <PlannedPubDate xmlns="4873beb7-5857-4685-be1f-d57550cc96cc" xsi:nil="true"/>
+    <CSXSubmissionMarket xmlns="4873beb7-5857-4685-be1f-d57550cc96cc" xsi:nil="true"/>
+    <Downloads xmlns="4873beb7-5857-4685-be1f-d57550cc96cc">0</Downloads>
+    <ArtSampleDocs xmlns="4873beb7-5857-4685-be1f-d57550cc96cc" xsi:nil="true"/>
+    <TrustLevel xmlns="4873beb7-5857-4685-be1f-d57550cc96cc">1 Microsoft Managed Content</TrustLevel>
+    <BlockPublish xmlns="4873beb7-5857-4685-be1f-d57550cc96cc">false</BlockPublish>
+    <TPLaunchHelpLinkType xmlns="4873beb7-5857-4685-be1f-d57550cc96cc">Template</TPLaunchHelpLinkType>
+    <LocalizationTagsTaxHTField0 xmlns="4873beb7-5857-4685-be1f-d57550cc96cc">
+      <Terms xmlns="http://schemas.microsoft.com/office/infopath/2007/PartnerControls"/>
+    </LocalizationTagsTaxHTField0>
+    <BusinessGroup xmlns="4873beb7-5857-4685-be1f-d57550cc96cc" xsi:nil="true"/>
+    <Providers xmlns="4873beb7-5857-4685-be1f-d57550cc96cc" xsi:nil="true"/>
+    <TemplateTemplateType xmlns="4873beb7-5857-4685-be1f-d57550cc96cc">PowerPoint Presentation Template</TemplateTemplateType>
+    <TimesCloned xmlns="4873beb7-5857-4685-be1f-d57550cc96cc" xsi:nil="true"/>
+    <TPAppVersion xmlns="4873beb7-5857-4685-be1f-d57550cc96cc" xsi:nil="true"/>
+    <VoteCount xmlns="4873beb7-5857-4685-be1f-d57550cc96cc" xsi:nil="true"/>
+    <AverageRating xmlns="4873beb7-5857-4685-be1f-d57550cc96cc" xsi:nil="true"/>
+    <FeatureTagsTaxHTField0 xmlns="4873beb7-5857-4685-be1f-d57550cc96cc">
+      <Terms xmlns="http://schemas.microsoft.com/office/infopath/2007/PartnerControls"/>
+    </FeatureTagsTaxHTField0>
+    <Provider xmlns="4873beb7-5857-4685-be1f-d57550cc96cc" xsi:nil="true"/>
+    <UACurrentWords xmlns="4873beb7-5857-4685-be1f-d57550cc96cc" xsi:nil="true"/>
+    <AssetId xmlns="4873beb7-5857-4685-be1f-d57550cc96cc">TP103431361</AssetId>
+    <TPClientViewer xmlns="4873beb7-5857-4685-be1f-d57550cc96cc" xsi:nil="true"/>
+    <DSATActionTaken xmlns="4873beb7-5857-4685-be1f-d57550cc96cc" xsi:nil="true"/>
+    <APEditor xmlns="4873beb7-5857-4685-be1f-d57550cc96cc">
+      <UserInfo>
+        <DisplayName/>
+        <AccountId xsi:nil="true"/>
+        <AccountType/>
+      </UserInfo>
+    </APEditor>
+    <TPInstallLocation xmlns="4873beb7-5857-4685-be1f-d57550cc96cc" xsi:nil="true"/>
+    <OOCacheId xmlns="4873beb7-5857-4685-be1f-d57550cc96cc" xsi:nil="true"/>
+    <IsDeleted xmlns="4873beb7-5857-4685-be1f-d57550cc96cc">false</IsDeleted>
+    <PublishTargets xmlns="4873beb7-5857-4685-be1f-d57550cc96cc">OfficeOnlineVNext</PublishTargets>
+    <ApprovalLog xmlns="4873beb7-5857-4685-be1f-d57550cc96cc" xsi:nil="true"/>
+    <BugNumber xmlns="4873beb7-5857-4685-be1f-d57550cc96cc" xsi:nil="true"/>
+    <CrawlForDependencies xmlns="4873beb7-5857-4685-be1f-d57550cc96cc">false</CrawlForDependencies>
+    <InternalTagsTaxHTField0 xmlns="4873beb7-5857-4685-be1f-d57550cc96cc">
+      <Terms xmlns="http://schemas.microsoft.com/office/infopath/2007/PartnerControls"/>
+    </InternalTagsTaxHTField0>
+    <LastHandOff xmlns="4873beb7-5857-4685-be1f-d57550cc96cc" xsi:nil="true"/>
+    <Milestone xmlns="4873beb7-5857-4685-be1f-d57550cc96cc" xsi:nil="true"/>
+    <OriginalRelease xmlns="4873beb7-5857-4685-be1f-d57550cc96cc">15</OriginalRelease>
+    <RecommendationsModifier xmlns="4873beb7-5857-4685-be1f-d57550cc96cc" xsi:nil="true"/>
+    <ScenarioTagsTaxHTField0 xmlns="4873beb7-5857-4685-be1f-d57550cc96cc">
+      <Terms xmlns="http://schemas.microsoft.com/office/infopath/2007/PartnerControls"/>
+    </ScenarioTagsTaxHTField0>
+    <UANotes xmlns="4873beb7-5857-4685-be1f-d57550cc96cc" xsi:nil="true"/>
+  </documentManagement>
+</p:properties>
+</file>
+
+<file path=customXml/item2.xml><?xml version="1.0" encoding="utf-8"?>
 <ct:contentTypeSchema xmlns:ct="http://schemas.microsoft.com/office/2006/metadata/contentType" xmlns:ma="http://schemas.microsoft.com/office/2006/metadata/properties/metaAttributes" ct:_="" ma:_="" ma:contentTypeName="TemplateFile" ma:contentTypeID="0x0101006EDDDB5EE6D98C44930B742096920B300400F5B6D36B3EF94B4E9A635CDF2A18F5B8" ma:contentTypeVersion="72" ma:contentTypeDescription="Create a new document." ma:contentTypeScope="" ma:versionID="a23e56308344d904b51738559c3d67c9">
   <xsd:schema xmlns:xsd="http://www.w3.org/2001/XMLSchema" xmlns:xs="http://www.w3.org/2001/XMLSchema" xmlns:p="http://schemas.microsoft.com/office/2006/metadata/properties" xmlns:ns2="4873beb7-5857-4685-be1f-d57550cc96cc" targetNamespace="http://schemas.microsoft.com/office/2006/metadata/properties" ma:root="true" ma:fieldsID="cd0908cc4600e77bf5da051303e00c8d" ns2:_="">
     <xsd:import namespace="4873beb7-5857-4685-be1f-d57550cc96cc"/>
@@ -18798,132 +18924,6 @@
 </ct:contentTypeSchema>
 </file>
 
-<file path=customXml/item2.xml><?xml version="1.0" encoding="utf-8"?>
-<p:properties xmlns:p="http://schemas.microsoft.com/office/2006/metadata/properties" xmlns:xsi="http://www.w3.org/2001/XMLSchema-instance" xmlns:pc="http://schemas.microsoft.com/office/infopath/2007/PartnerControls">
-  <documentManagement>
-    <APDescription xmlns="4873beb7-5857-4685-be1f-d57550cc96cc" xsi:nil="true"/>
-    <AssetExpire xmlns="4873beb7-5857-4685-be1f-d57550cc96cc">2029-01-01T08:00:00+00:00</AssetExpire>
-    <CampaignTagsTaxHTField0 xmlns="4873beb7-5857-4685-be1f-d57550cc96cc">
-      <Terms xmlns="http://schemas.microsoft.com/office/infopath/2007/PartnerControls"/>
-    </CampaignTagsTaxHTField0>
-    <IntlLangReviewDate xmlns="4873beb7-5857-4685-be1f-d57550cc96cc" xsi:nil="true"/>
-    <TPFriendlyName xmlns="4873beb7-5857-4685-be1f-d57550cc96cc" xsi:nil="true"/>
-    <IntlLangReview xmlns="4873beb7-5857-4685-be1f-d57550cc96cc">false</IntlLangReview>
-    <LocLastLocAttemptVersionLookup xmlns="4873beb7-5857-4685-be1f-d57550cc96cc">855024</LocLastLocAttemptVersionLookup>
-    <PolicheckWords xmlns="4873beb7-5857-4685-be1f-d57550cc96cc" xsi:nil="true"/>
-    <SubmitterId xmlns="4873beb7-5857-4685-be1f-d57550cc96cc" xsi:nil="true"/>
-    <AcquiredFrom xmlns="4873beb7-5857-4685-be1f-d57550cc96cc">Internal MS</AcquiredFrom>
-    <EditorialStatus xmlns="4873beb7-5857-4685-be1f-d57550cc96cc">Complete</EditorialStatus>
-    <Markets xmlns="4873beb7-5857-4685-be1f-d57550cc96cc"/>
-    <OriginAsset xmlns="4873beb7-5857-4685-be1f-d57550cc96cc" xsi:nil="true"/>
-    <AssetStart xmlns="4873beb7-5857-4685-be1f-d57550cc96cc">2012-08-31T08:50:00+00:00</AssetStart>
-    <FriendlyTitle xmlns="4873beb7-5857-4685-be1f-d57550cc96cc" xsi:nil="true"/>
-    <MarketSpecific xmlns="4873beb7-5857-4685-be1f-d57550cc96cc">false</MarketSpecific>
-    <TPNamespace xmlns="4873beb7-5857-4685-be1f-d57550cc96cc" xsi:nil="true"/>
-    <PublishStatusLookup xmlns="4873beb7-5857-4685-be1f-d57550cc96cc">
-      <Value>1616423</Value>
-    </PublishStatusLookup>
-    <APAuthor xmlns="4873beb7-5857-4685-be1f-d57550cc96cc">
-      <UserInfo>
-        <DisplayName>REDMOND\kristaa</DisplayName>
-        <AccountId>136</AccountId>
-        <AccountType/>
-      </UserInfo>
-    </APAuthor>
-    <TPCommandLine xmlns="4873beb7-5857-4685-be1f-d57550cc96cc" xsi:nil="true"/>
-    <IntlLangReviewer xmlns="4873beb7-5857-4685-be1f-d57550cc96cc" xsi:nil="true"/>
-    <OpenTemplate xmlns="4873beb7-5857-4685-be1f-d57550cc96cc">true</OpenTemplate>
-    <CSXSubmissionDate xmlns="4873beb7-5857-4685-be1f-d57550cc96cc" xsi:nil="true"/>
-    <TaxCatchAll xmlns="4873beb7-5857-4685-be1f-d57550cc96cc"/>
-    <Manager xmlns="4873beb7-5857-4685-be1f-d57550cc96cc" xsi:nil="true"/>
-    <NumericId xmlns="4873beb7-5857-4685-be1f-d57550cc96cc" xsi:nil="true"/>
-    <ParentAssetId xmlns="4873beb7-5857-4685-be1f-d57550cc96cc" xsi:nil="true"/>
-    <OriginalSourceMarket xmlns="4873beb7-5857-4685-be1f-d57550cc96cc" xsi:nil="true"/>
-    <ApprovalStatus xmlns="4873beb7-5857-4685-be1f-d57550cc96cc">InProgress</ApprovalStatus>
-    <TPComponent xmlns="4873beb7-5857-4685-be1f-d57550cc96cc" xsi:nil="true"/>
-    <EditorialTags xmlns="4873beb7-5857-4685-be1f-d57550cc96cc" xsi:nil="true"/>
-    <TPExecutable xmlns="4873beb7-5857-4685-be1f-d57550cc96cc" xsi:nil="true"/>
-    <TPLaunchHelpLink xmlns="4873beb7-5857-4685-be1f-d57550cc96cc" xsi:nil="true"/>
-    <LocComments xmlns="4873beb7-5857-4685-be1f-d57550cc96cc" xsi:nil="true"/>
-    <LocRecommendedHandoff xmlns="4873beb7-5857-4685-be1f-d57550cc96cc" xsi:nil="true"/>
-    <SourceTitle xmlns="4873beb7-5857-4685-be1f-d57550cc96cc" xsi:nil="true"/>
-    <CSXUpdate xmlns="4873beb7-5857-4685-be1f-d57550cc96cc">false</CSXUpdate>
-    <IntlLocPriority xmlns="4873beb7-5857-4685-be1f-d57550cc96cc" xsi:nil="true"/>
-    <UAProjectedTotalWords xmlns="4873beb7-5857-4685-be1f-d57550cc96cc" xsi:nil="true"/>
-    <AssetType xmlns="4873beb7-5857-4685-be1f-d57550cc96cc">TP</AssetType>
-    <MachineTranslated xmlns="4873beb7-5857-4685-be1f-d57550cc96cc">false</MachineTranslated>
-    <OutputCachingOn xmlns="4873beb7-5857-4685-be1f-d57550cc96cc">false</OutputCachingOn>
-    <TemplateStatus xmlns="4873beb7-5857-4685-be1f-d57550cc96cc">Complete</TemplateStatus>
-    <IsSearchable xmlns="4873beb7-5857-4685-be1f-d57550cc96cc">true</IsSearchable>
-    <ContentItem xmlns="4873beb7-5857-4685-be1f-d57550cc96cc" xsi:nil="true"/>
-    <HandoffToMSDN xmlns="4873beb7-5857-4685-be1f-d57550cc96cc" xsi:nil="true"/>
-    <ShowIn xmlns="4873beb7-5857-4685-be1f-d57550cc96cc">Show everywhere</ShowIn>
-    <ThumbnailAssetId xmlns="4873beb7-5857-4685-be1f-d57550cc96cc" xsi:nil="true"/>
-    <UALocComments xmlns="4873beb7-5857-4685-be1f-d57550cc96cc" xsi:nil="true"/>
-    <UALocRecommendation xmlns="4873beb7-5857-4685-be1f-d57550cc96cc">Localize</UALocRecommendation>
-    <LastModifiedDateTime xmlns="4873beb7-5857-4685-be1f-d57550cc96cc" xsi:nil="true"/>
-    <LegacyData xmlns="4873beb7-5857-4685-be1f-d57550cc96cc" xsi:nil="true"/>
-    <LocManualTestRequired xmlns="4873beb7-5857-4685-be1f-d57550cc96cc">false</LocManualTestRequired>
-    <LocMarketGroupTiers2 xmlns="4873beb7-5857-4685-be1f-d57550cc96cc" xsi:nil="true"/>
-    <ClipArtFilename xmlns="4873beb7-5857-4685-be1f-d57550cc96cc" xsi:nil="true"/>
-    <TPApplication xmlns="4873beb7-5857-4685-be1f-d57550cc96cc" xsi:nil="true"/>
-    <CSXHash xmlns="4873beb7-5857-4685-be1f-d57550cc96cc" xsi:nil="true"/>
-    <DirectSourceMarket xmlns="4873beb7-5857-4685-be1f-d57550cc96cc" xsi:nil="true"/>
-    <PrimaryImageGen xmlns="4873beb7-5857-4685-be1f-d57550cc96cc">true</PrimaryImageGen>
-    <PlannedPubDate xmlns="4873beb7-5857-4685-be1f-d57550cc96cc" xsi:nil="true"/>
-    <CSXSubmissionMarket xmlns="4873beb7-5857-4685-be1f-d57550cc96cc" xsi:nil="true"/>
-    <Downloads xmlns="4873beb7-5857-4685-be1f-d57550cc96cc">0</Downloads>
-    <ArtSampleDocs xmlns="4873beb7-5857-4685-be1f-d57550cc96cc" xsi:nil="true"/>
-    <TrustLevel xmlns="4873beb7-5857-4685-be1f-d57550cc96cc">1 Microsoft Managed Content</TrustLevel>
-    <BlockPublish xmlns="4873beb7-5857-4685-be1f-d57550cc96cc">false</BlockPublish>
-    <TPLaunchHelpLinkType xmlns="4873beb7-5857-4685-be1f-d57550cc96cc">Template</TPLaunchHelpLinkType>
-    <LocalizationTagsTaxHTField0 xmlns="4873beb7-5857-4685-be1f-d57550cc96cc">
-      <Terms xmlns="http://schemas.microsoft.com/office/infopath/2007/PartnerControls"/>
-    </LocalizationTagsTaxHTField0>
-    <BusinessGroup xmlns="4873beb7-5857-4685-be1f-d57550cc96cc" xsi:nil="true"/>
-    <Providers xmlns="4873beb7-5857-4685-be1f-d57550cc96cc" xsi:nil="true"/>
-    <TemplateTemplateType xmlns="4873beb7-5857-4685-be1f-d57550cc96cc">PowerPoint Presentation Template</TemplateTemplateType>
-    <TimesCloned xmlns="4873beb7-5857-4685-be1f-d57550cc96cc" xsi:nil="true"/>
-    <TPAppVersion xmlns="4873beb7-5857-4685-be1f-d57550cc96cc" xsi:nil="true"/>
-    <VoteCount xmlns="4873beb7-5857-4685-be1f-d57550cc96cc" xsi:nil="true"/>
-    <AverageRating xmlns="4873beb7-5857-4685-be1f-d57550cc96cc" xsi:nil="true"/>
-    <FeatureTagsTaxHTField0 xmlns="4873beb7-5857-4685-be1f-d57550cc96cc">
-      <Terms xmlns="http://schemas.microsoft.com/office/infopath/2007/PartnerControls"/>
-    </FeatureTagsTaxHTField0>
-    <Provider xmlns="4873beb7-5857-4685-be1f-d57550cc96cc" xsi:nil="true"/>
-    <UACurrentWords xmlns="4873beb7-5857-4685-be1f-d57550cc96cc" xsi:nil="true"/>
-    <AssetId xmlns="4873beb7-5857-4685-be1f-d57550cc96cc">TP103431361</AssetId>
-    <TPClientViewer xmlns="4873beb7-5857-4685-be1f-d57550cc96cc" xsi:nil="true"/>
-    <DSATActionTaken xmlns="4873beb7-5857-4685-be1f-d57550cc96cc" xsi:nil="true"/>
-    <APEditor xmlns="4873beb7-5857-4685-be1f-d57550cc96cc">
-      <UserInfo>
-        <DisplayName/>
-        <AccountId xsi:nil="true"/>
-        <AccountType/>
-      </UserInfo>
-    </APEditor>
-    <TPInstallLocation xmlns="4873beb7-5857-4685-be1f-d57550cc96cc" xsi:nil="true"/>
-    <OOCacheId xmlns="4873beb7-5857-4685-be1f-d57550cc96cc" xsi:nil="true"/>
-    <IsDeleted xmlns="4873beb7-5857-4685-be1f-d57550cc96cc">false</IsDeleted>
-    <PublishTargets xmlns="4873beb7-5857-4685-be1f-d57550cc96cc">OfficeOnlineVNext</PublishTargets>
-    <ApprovalLog xmlns="4873beb7-5857-4685-be1f-d57550cc96cc" xsi:nil="true"/>
-    <BugNumber xmlns="4873beb7-5857-4685-be1f-d57550cc96cc" xsi:nil="true"/>
-    <CrawlForDependencies xmlns="4873beb7-5857-4685-be1f-d57550cc96cc">false</CrawlForDependencies>
-    <InternalTagsTaxHTField0 xmlns="4873beb7-5857-4685-be1f-d57550cc96cc">
-      <Terms xmlns="http://schemas.microsoft.com/office/infopath/2007/PartnerControls"/>
-    </InternalTagsTaxHTField0>
-    <LastHandOff xmlns="4873beb7-5857-4685-be1f-d57550cc96cc" xsi:nil="true"/>
-    <Milestone xmlns="4873beb7-5857-4685-be1f-d57550cc96cc" xsi:nil="true"/>
-    <OriginalRelease xmlns="4873beb7-5857-4685-be1f-d57550cc96cc">15</OriginalRelease>
-    <RecommendationsModifier xmlns="4873beb7-5857-4685-be1f-d57550cc96cc" xsi:nil="true"/>
-    <ScenarioTagsTaxHTField0 xmlns="4873beb7-5857-4685-be1f-d57550cc96cc">
-      <Terms xmlns="http://schemas.microsoft.com/office/infopath/2007/PartnerControls"/>
-    </ScenarioTagsTaxHTField0>
-    <UANotes xmlns="4873beb7-5857-4685-be1f-d57550cc96cc" xsi:nil="true"/>
-  </documentManagement>
-</p:properties>
-</file>
-
 <file path=customXml/item3.xml><?xml version="1.0" encoding="utf-8"?>
 <?mso-contentType ?>
 <FormTemplates xmlns="http://schemas.microsoft.com/sharepoint/v3/contenttype/forms">
@@ -18934,6 +18934,16 @@
 </file>
 
 <file path=customXml/itemProps1.xml><?xml version="1.0" encoding="utf-8"?>
+<ds:datastoreItem xmlns:ds="http://schemas.openxmlformats.org/officeDocument/2006/customXml" ds:itemID="{8CDDBB83-77C1-4099-A0AA-289882E745E2}">
+  <ds:schemaRefs>
+    <ds:schemaRef ds:uri="http://schemas.microsoft.com/office/2006/metadata/properties"/>
+    <ds:schemaRef ds:uri="http://schemas.microsoft.com/office/infopath/2007/PartnerControls"/>
+    <ds:schemaRef ds:uri="4873beb7-5857-4685-be1f-d57550cc96cc"/>
+  </ds:schemaRefs>
+</ds:datastoreItem>
+</file>
+
+<file path=customXml/itemProps2.xml><?xml version="1.0" encoding="utf-8"?>
 <ds:datastoreItem xmlns:ds="http://schemas.openxmlformats.org/officeDocument/2006/customXml" ds:itemID="{28C8B9CA-0273-4370-889A-FC05DA5C2FA5}">
   <ds:schemaRefs>
     <ds:schemaRef ds:uri="http://schemas.microsoft.com/office/2006/metadata/contentType"/>
@@ -18951,16 +18961,6 @@
 </ds:datastoreItem>
 </file>
 
-<file path=customXml/itemProps2.xml><?xml version="1.0" encoding="utf-8"?>
-<ds:datastoreItem xmlns:ds="http://schemas.openxmlformats.org/officeDocument/2006/customXml" ds:itemID="{8CDDBB83-77C1-4099-A0AA-289882E745E2}">
-  <ds:schemaRefs>
-    <ds:schemaRef ds:uri="http://schemas.microsoft.com/office/2006/metadata/properties"/>
-    <ds:schemaRef ds:uri="http://schemas.microsoft.com/office/infopath/2007/PartnerControls"/>
-    <ds:schemaRef ds:uri="4873beb7-5857-4685-be1f-d57550cc96cc"/>
-  </ds:schemaRefs>
-</ds:datastoreItem>
-</file>
-
 <file path=customXml/itemProps3.xml><?xml version="1.0" encoding="utf-8"?>
 <ds:datastoreItem xmlns:ds="http://schemas.openxmlformats.org/officeDocument/2006/customXml" ds:itemID="{561E720F-F05D-4536-9C34-0CFCED65D3B7}">
   <ds:schemaRefs>

--- a/course/sa/LectureNotes/(Spring2018)Lecture3.pptx
+++ b/course/sa/LectureNotes/(Spring2018)Lecture3.pptx
@@ -258,7 +258,7 @@
                 <a:ea typeface="微软雅黑" panose="020B0503020204020204" pitchFamily="34" charset="-122"/>
               </a:rPr>
               <a:pPr algn="r" rtl="0"/>
-              <a:t>2018/3/8</a:t>
+              <a:t>2018/3/30</a:t>
             </a:fld>
             <a:endParaRPr lang="zh-CN" altLang="en-US" dirty="0">
               <a:latin typeface="微软雅黑" panose="020B0503020204020204" pitchFamily="34" charset="-122"/>
@@ -445,7 +445,7 @@
             <a:fld id="{229B22C3-6CB1-491B-AD00-E0837F23A3F3}" type="datetime1">
               <a:rPr lang="zh-CN" altLang="en-US" smtClean="0"/>
               <a:pPr/>
-              <a:t>2018/3/8</a:t>
+              <a:t>2018/3/30</a:t>
             </a:fld>
             <a:endParaRPr lang="zh-CN" altLang="en-US" dirty="0"/>
           </a:p>
@@ -1041,7 +1041,7 @@
             <a:fld id="{A7392AAC-879E-4B39-8824-AF6B730A809E}" type="datetime1">
               <a:rPr lang="zh-CN" altLang="en-US" smtClean="0"/>
               <a:pPr/>
-              <a:t>2018/3/8</a:t>
+              <a:t>2018/3/30</a:t>
             </a:fld>
             <a:endParaRPr lang="zh-CN" altLang="en-US" dirty="0"/>
           </a:p>
@@ -1382,7 +1382,7 @@
             <a:fld id="{7118C275-B304-48F5-8C4F-015CBCF4E7C1}" type="datetime1">
               <a:rPr lang="zh-CN" altLang="en-US" smtClean="0"/>
               <a:pPr/>
-              <a:t>2018/3/8</a:t>
+              <a:t>2018/3/30</a:t>
             </a:fld>
             <a:r>
               <a:rPr lang="zh-CN" altLang="en-US" dirty="0"/>
@@ -1588,7 +1588,7 @@
             <a:fld id="{98791AA9-DDCB-4BA8-AD1D-963A3AA00622}" type="datetime1">
               <a:rPr lang="zh-CN" altLang="en-US" smtClean="0"/>
               <a:pPr/>
-              <a:t>2018/3/8</a:t>
+              <a:t>2018/3/30</a:t>
             </a:fld>
             <a:endParaRPr lang="zh-CN" altLang="en-US" dirty="0"/>
           </a:p>
@@ -1792,7 +1792,7 @@
             <a:fld id="{9170426F-E661-472B-BE42-25E072CD46D9}" type="datetime1">
               <a:rPr lang="zh-CN" altLang="en-US" smtClean="0"/>
               <a:pPr/>
-              <a:t>2018/3/8</a:t>
+              <a:t>2018/3/30</a:t>
             </a:fld>
             <a:endParaRPr lang="zh-CN" altLang="en-US" dirty="0"/>
           </a:p>
@@ -2114,7 +2114,7 @@
             <a:fld id="{9BA78444-6099-4C0A-A3A9-C6F3C5D7F289}" type="datetime1">
               <a:rPr lang="zh-CN" altLang="en-US" smtClean="0"/>
               <a:pPr/>
-              <a:t>2018/3/8</a:t>
+              <a:t>2018/3/30</a:t>
             </a:fld>
             <a:endParaRPr lang="zh-CN" altLang="en-US" dirty="0"/>
           </a:p>
@@ -3226,7 +3226,7 @@
             <a:fld id="{AF5F6A19-70BF-4380-9A40-68C9536408C6}" type="datetime1">
               <a:rPr lang="zh-CN" altLang="en-US" smtClean="0"/>
               <a:pPr/>
-              <a:t>2018/3/8</a:t>
+              <a:t>2018/3/30</a:t>
             </a:fld>
             <a:endParaRPr lang="zh-CN" altLang="en-US" dirty="0"/>
           </a:p>
@@ -3625,7 +3625,7 @@
             <a:fld id="{6017EB90-196C-4C15-BD31-13E0E0436C73}" type="datetime1">
               <a:rPr lang="zh-CN" altLang="en-US" smtClean="0"/>
               <a:pPr/>
-              <a:t>2018/3/8</a:t>
+              <a:t>2018/3/30</a:t>
             </a:fld>
             <a:r>
               <a:rPr lang="zh-CN" altLang="en-US" dirty="0"/>
@@ -4107,7 +4107,7 @@
             <a:fld id="{C2EC0F41-B48F-4298-A7F6-618EB9D22195}" type="datetime1">
               <a:rPr lang="zh-CN" altLang="en-US" smtClean="0"/>
               <a:pPr/>
-              <a:t>2018/3/8</a:t>
+              <a:t>2018/3/30</a:t>
             </a:fld>
             <a:endParaRPr lang="zh-CN" altLang="en-US" dirty="0"/>
           </a:p>
@@ -4258,7 +4258,7 @@
             <a:fld id="{7DB2D836-56E8-4B15-857C-14B1A5B3B67B}" type="datetime1">
               <a:rPr lang="zh-CN" altLang="en-US" smtClean="0"/>
               <a:pPr/>
-              <a:t>2018/3/8</a:t>
+              <a:t>2018/3/30</a:t>
             </a:fld>
             <a:endParaRPr lang="zh-CN" altLang="en-US" dirty="0"/>
           </a:p>
@@ -4376,7 +4376,7 @@
             <a:fld id="{038D929F-7D8C-4CC3-8AC7-BB9B8FE2DEBF}" type="datetime1">
               <a:rPr lang="zh-CN" altLang="en-US" smtClean="0"/>
               <a:pPr/>
-              <a:t>2018/3/8</a:t>
+              <a:t>2018/3/30</a:t>
             </a:fld>
             <a:endParaRPr lang="zh-CN" altLang="en-US" dirty="0"/>
           </a:p>
@@ -4679,7 +4679,7 @@
             <a:fld id="{F7892ACC-8BC8-4C9E-9D2B-0669DA5038B6}" type="datetime1">
               <a:rPr lang="zh-CN" altLang="en-US" smtClean="0"/>
               <a:pPr/>
-              <a:t>2018/3/8</a:t>
+              <a:t>2018/3/30</a:t>
             </a:fld>
             <a:endParaRPr lang="zh-CN" altLang="en-US" dirty="0"/>
           </a:p>
@@ -4945,7 +4945,7 @@
             <a:fld id="{660B6A15-7713-4A08-BBFD-F297CCC2B976}" type="datetime1">
               <a:rPr lang="zh-CN" altLang="en-US" smtClean="0"/>
               <a:pPr/>
-              <a:t>2018/3/8</a:t>
+              <a:t>2018/3/30</a:t>
             </a:fld>
             <a:r>
               <a:rPr lang="zh-CN" altLang="en-US" dirty="0"/>
@@ -14917,7 +14917,7 @@
           <a:p>
             <a:r>
               <a:rPr lang="en-US" dirty="0"/>
-              <a:t>Independent components</a:t>
+              <a:t>Advantages and Disadvantages</a:t>
             </a:r>
             <a:endParaRPr lang="en-US" dirty="0">
               <a:latin typeface="微软雅黑" panose="020B0503020204020204" pitchFamily="34" charset="-122"/>
@@ -14928,7 +14928,13 @@
       </p:sp>
       <p:sp>
         <p:nvSpPr>
-          <p:cNvPr id="14" name="内容占位符 13"/>
+          <p:cNvPr id="6" name="内容占位符 2">
+            <a:extLst>
+              <a:ext uri="{FF2B5EF4-FFF2-40B4-BE49-F238E27FC236}">
+                <a16:creationId xmlns:a16="http://schemas.microsoft.com/office/drawing/2014/main" id="{1F018E7E-F28D-4749-8D61-4F484154B1B5}"/>
+              </a:ext>
+            </a:extLst>
+          </p:cNvPr>
           <p:cNvSpPr>
             <a:spLocks noGrp="1"/>
           </p:cNvSpPr>
@@ -14938,62 +14944,60 @@
         </p:nvSpPr>
         <p:spPr>
           <a:xfrm>
-            <a:off x="828675" y="1600199"/>
-            <a:ext cx="7486650" cy="5019687"/>
+            <a:off x="828675" y="1600200"/>
+            <a:ext cx="7486650" cy="4572000"/>
           </a:xfrm>
         </p:spPr>
         <p:txBody>
-          <a:bodyPr rtlCol="0">
-            <a:normAutofit/>
-          </a:bodyPr>
+          <a:bodyPr/>
           <a:lstStyle/>
           <a:p>
             <a:r>
-              <a:rPr lang="zh-CN" altLang="zh-CN" sz="2400" dirty="0"/>
-              <a:t>A</a:t>
-            </a:r>
-            <a:r>
-              <a:rPr lang="en-US" altLang="zh-CN" sz="2400" dirty="0" err="1"/>
-              <a:t>dvantage</a:t>
-            </a:r>
-            <a:endParaRPr lang="en-US" altLang="zh-CN" sz="2400" dirty="0"/>
+              <a:rPr lang="en-US" altLang="zh-CN" dirty="0"/>
+              <a:t>Advantages</a:t>
+            </a:r>
           </a:p>
           <a:p>
             <a:pPr lvl="1"/>
             <a:r>
-              <a:rPr lang="en-US" altLang="zh-CN" sz="1800" dirty="0"/>
-              <a:t>Decomposition of all aspects of consideration to simplify the system design and ensure system scalability.</a:t>
+              <a:rPr lang="en-US" altLang="zh-CN" dirty="0"/>
+              <a:t>Decomposition of all aspects simplifies the system design and ensures system scalability.</a:t>
             </a:r>
           </a:p>
           <a:p>
             <a:pPr lvl="1"/>
             <a:r>
-              <a:rPr lang="en-US" altLang="zh-CN" sz="1800" dirty="0"/>
-              <a:t>Changing the interface does not affect the functional kernel of the application, making the system easy to evolve and develop with good maintainability.</a:t>
+              <a:rPr lang="en-US" altLang="zh-CN" dirty="0"/>
+              <a:t>Changes of the interface do not affect the functional kernel of the application, making the system easy to evolve and develop with good maintainability.</a:t>
             </a:r>
           </a:p>
           <a:p>
             <a:pPr lvl="1"/>
             <a:r>
-              <a:rPr lang="en-US" altLang="zh-CN" sz="1800" dirty="0"/>
+              <a:rPr lang="en-US" altLang="zh-CN" dirty="0"/>
               <a:t>It is easy to change and can even change at runtime, providing a good dynamic mechanism.</a:t>
             </a:r>
           </a:p>
           <a:p>
             <a:r>
-              <a:rPr lang="en-US" altLang="zh-CN" sz="2400" dirty="0"/>
+              <a:rPr lang="en-US" altLang="zh-CN" dirty="0"/>
               <a:t>Disadvantage</a:t>
             </a:r>
           </a:p>
           <a:p>
             <a:pPr lvl="1"/>
             <a:r>
-              <a:rPr lang="en-US" altLang="zh-CN" sz="1800" dirty="0"/>
-              <a:t>Mainly limited to the application software user interface development</a:t>
-            </a:r>
-          </a:p>
-          <a:p>
-            <a:endParaRPr lang="en-US" altLang="zh-CN" sz="1800" dirty="0"/>
+              <a:rPr lang="en-US" altLang="zh-CN" dirty="0"/>
+              <a:t> Increased complexity of user interface design and implementation</a:t>
+            </a:r>
+          </a:p>
+          <a:p>
+            <a:pPr lvl="1"/>
+            <a:r>
+              <a:rPr lang="en-US" altLang="zh-CN" dirty="0"/>
+              <a:t>Inefficiency of data access in view</a:t>
+            </a:r>
+            <a:endParaRPr lang="zh-CN" altLang="en-US" dirty="0"/>
           </a:p>
         </p:txBody>
       </p:sp>
@@ -17759,132 +17763,6 @@
 </file>
 
 <file path=customXml/item1.xml><?xml version="1.0" encoding="utf-8"?>
-<p:properties xmlns:p="http://schemas.microsoft.com/office/2006/metadata/properties" xmlns:xsi="http://www.w3.org/2001/XMLSchema-instance" xmlns:pc="http://schemas.microsoft.com/office/infopath/2007/PartnerControls">
-  <documentManagement>
-    <APDescription xmlns="4873beb7-5857-4685-be1f-d57550cc96cc" xsi:nil="true"/>
-    <AssetExpire xmlns="4873beb7-5857-4685-be1f-d57550cc96cc">2029-01-01T08:00:00+00:00</AssetExpire>
-    <CampaignTagsTaxHTField0 xmlns="4873beb7-5857-4685-be1f-d57550cc96cc">
-      <Terms xmlns="http://schemas.microsoft.com/office/infopath/2007/PartnerControls"/>
-    </CampaignTagsTaxHTField0>
-    <IntlLangReviewDate xmlns="4873beb7-5857-4685-be1f-d57550cc96cc" xsi:nil="true"/>
-    <TPFriendlyName xmlns="4873beb7-5857-4685-be1f-d57550cc96cc" xsi:nil="true"/>
-    <IntlLangReview xmlns="4873beb7-5857-4685-be1f-d57550cc96cc">false</IntlLangReview>
-    <LocLastLocAttemptVersionLookup xmlns="4873beb7-5857-4685-be1f-d57550cc96cc">855024</LocLastLocAttemptVersionLookup>
-    <PolicheckWords xmlns="4873beb7-5857-4685-be1f-d57550cc96cc" xsi:nil="true"/>
-    <SubmitterId xmlns="4873beb7-5857-4685-be1f-d57550cc96cc" xsi:nil="true"/>
-    <AcquiredFrom xmlns="4873beb7-5857-4685-be1f-d57550cc96cc">Internal MS</AcquiredFrom>
-    <EditorialStatus xmlns="4873beb7-5857-4685-be1f-d57550cc96cc">Complete</EditorialStatus>
-    <Markets xmlns="4873beb7-5857-4685-be1f-d57550cc96cc"/>
-    <OriginAsset xmlns="4873beb7-5857-4685-be1f-d57550cc96cc" xsi:nil="true"/>
-    <AssetStart xmlns="4873beb7-5857-4685-be1f-d57550cc96cc">2012-08-31T08:50:00+00:00</AssetStart>
-    <FriendlyTitle xmlns="4873beb7-5857-4685-be1f-d57550cc96cc" xsi:nil="true"/>
-    <MarketSpecific xmlns="4873beb7-5857-4685-be1f-d57550cc96cc">false</MarketSpecific>
-    <TPNamespace xmlns="4873beb7-5857-4685-be1f-d57550cc96cc" xsi:nil="true"/>
-    <PublishStatusLookup xmlns="4873beb7-5857-4685-be1f-d57550cc96cc">
-      <Value>1616423</Value>
-    </PublishStatusLookup>
-    <APAuthor xmlns="4873beb7-5857-4685-be1f-d57550cc96cc">
-      <UserInfo>
-        <DisplayName>REDMOND\kristaa</DisplayName>
-        <AccountId>136</AccountId>
-        <AccountType/>
-      </UserInfo>
-    </APAuthor>
-    <TPCommandLine xmlns="4873beb7-5857-4685-be1f-d57550cc96cc" xsi:nil="true"/>
-    <IntlLangReviewer xmlns="4873beb7-5857-4685-be1f-d57550cc96cc" xsi:nil="true"/>
-    <OpenTemplate xmlns="4873beb7-5857-4685-be1f-d57550cc96cc">true</OpenTemplate>
-    <CSXSubmissionDate xmlns="4873beb7-5857-4685-be1f-d57550cc96cc" xsi:nil="true"/>
-    <TaxCatchAll xmlns="4873beb7-5857-4685-be1f-d57550cc96cc"/>
-    <Manager xmlns="4873beb7-5857-4685-be1f-d57550cc96cc" xsi:nil="true"/>
-    <NumericId xmlns="4873beb7-5857-4685-be1f-d57550cc96cc" xsi:nil="true"/>
-    <ParentAssetId xmlns="4873beb7-5857-4685-be1f-d57550cc96cc" xsi:nil="true"/>
-    <OriginalSourceMarket xmlns="4873beb7-5857-4685-be1f-d57550cc96cc" xsi:nil="true"/>
-    <ApprovalStatus xmlns="4873beb7-5857-4685-be1f-d57550cc96cc">InProgress</ApprovalStatus>
-    <TPComponent xmlns="4873beb7-5857-4685-be1f-d57550cc96cc" xsi:nil="true"/>
-    <EditorialTags xmlns="4873beb7-5857-4685-be1f-d57550cc96cc" xsi:nil="true"/>
-    <TPExecutable xmlns="4873beb7-5857-4685-be1f-d57550cc96cc" xsi:nil="true"/>
-    <TPLaunchHelpLink xmlns="4873beb7-5857-4685-be1f-d57550cc96cc" xsi:nil="true"/>
-    <LocComments xmlns="4873beb7-5857-4685-be1f-d57550cc96cc" xsi:nil="true"/>
-    <LocRecommendedHandoff xmlns="4873beb7-5857-4685-be1f-d57550cc96cc" xsi:nil="true"/>
-    <SourceTitle xmlns="4873beb7-5857-4685-be1f-d57550cc96cc" xsi:nil="true"/>
-    <CSXUpdate xmlns="4873beb7-5857-4685-be1f-d57550cc96cc">false</CSXUpdate>
-    <IntlLocPriority xmlns="4873beb7-5857-4685-be1f-d57550cc96cc" xsi:nil="true"/>
-    <UAProjectedTotalWords xmlns="4873beb7-5857-4685-be1f-d57550cc96cc" xsi:nil="true"/>
-    <AssetType xmlns="4873beb7-5857-4685-be1f-d57550cc96cc">TP</AssetType>
-    <MachineTranslated xmlns="4873beb7-5857-4685-be1f-d57550cc96cc">false</MachineTranslated>
-    <OutputCachingOn xmlns="4873beb7-5857-4685-be1f-d57550cc96cc">false</OutputCachingOn>
-    <TemplateStatus xmlns="4873beb7-5857-4685-be1f-d57550cc96cc">Complete</TemplateStatus>
-    <IsSearchable xmlns="4873beb7-5857-4685-be1f-d57550cc96cc">true</IsSearchable>
-    <ContentItem xmlns="4873beb7-5857-4685-be1f-d57550cc96cc" xsi:nil="true"/>
-    <HandoffToMSDN xmlns="4873beb7-5857-4685-be1f-d57550cc96cc" xsi:nil="true"/>
-    <ShowIn xmlns="4873beb7-5857-4685-be1f-d57550cc96cc">Show everywhere</ShowIn>
-    <ThumbnailAssetId xmlns="4873beb7-5857-4685-be1f-d57550cc96cc" xsi:nil="true"/>
-    <UALocComments xmlns="4873beb7-5857-4685-be1f-d57550cc96cc" xsi:nil="true"/>
-    <UALocRecommendation xmlns="4873beb7-5857-4685-be1f-d57550cc96cc">Localize</UALocRecommendation>
-    <LastModifiedDateTime xmlns="4873beb7-5857-4685-be1f-d57550cc96cc" xsi:nil="true"/>
-    <LegacyData xmlns="4873beb7-5857-4685-be1f-d57550cc96cc" xsi:nil="true"/>
-    <LocManualTestRequired xmlns="4873beb7-5857-4685-be1f-d57550cc96cc">false</LocManualTestRequired>
-    <LocMarketGroupTiers2 xmlns="4873beb7-5857-4685-be1f-d57550cc96cc" xsi:nil="true"/>
-    <ClipArtFilename xmlns="4873beb7-5857-4685-be1f-d57550cc96cc" xsi:nil="true"/>
-    <TPApplication xmlns="4873beb7-5857-4685-be1f-d57550cc96cc" xsi:nil="true"/>
-    <CSXHash xmlns="4873beb7-5857-4685-be1f-d57550cc96cc" xsi:nil="true"/>
-    <DirectSourceMarket xmlns="4873beb7-5857-4685-be1f-d57550cc96cc" xsi:nil="true"/>
-    <PrimaryImageGen xmlns="4873beb7-5857-4685-be1f-d57550cc96cc">true</PrimaryImageGen>
-    <PlannedPubDate xmlns="4873beb7-5857-4685-be1f-d57550cc96cc" xsi:nil="true"/>
-    <CSXSubmissionMarket xmlns="4873beb7-5857-4685-be1f-d57550cc96cc" xsi:nil="true"/>
-    <Downloads xmlns="4873beb7-5857-4685-be1f-d57550cc96cc">0</Downloads>
-    <ArtSampleDocs xmlns="4873beb7-5857-4685-be1f-d57550cc96cc" xsi:nil="true"/>
-    <TrustLevel xmlns="4873beb7-5857-4685-be1f-d57550cc96cc">1 Microsoft Managed Content</TrustLevel>
-    <BlockPublish xmlns="4873beb7-5857-4685-be1f-d57550cc96cc">false</BlockPublish>
-    <TPLaunchHelpLinkType xmlns="4873beb7-5857-4685-be1f-d57550cc96cc">Template</TPLaunchHelpLinkType>
-    <LocalizationTagsTaxHTField0 xmlns="4873beb7-5857-4685-be1f-d57550cc96cc">
-      <Terms xmlns="http://schemas.microsoft.com/office/infopath/2007/PartnerControls"/>
-    </LocalizationTagsTaxHTField0>
-    <BusinessGroup xmlns="4873beb7-5857-4685-be1f-d57550cc96cc" xsi:nil="true"/>
-    <Providers xmlns="4873beb7-5857-4685-be1f-d57550cc96cc" xsi:nil="true"/>
-    <TemplateTemplateType xmlns="4873beb7-5857-4685-be1f-d57550cc96cc">PowerPoint Presentation Template</TemplateTemplateType>
-    <TimesCloned xmlns="4873beb7-5857-4685-be1f-d57550cc96cc" xsi:nil="true"/>
-    <TPAppVersion xmlns="4873beb7-5857-4685-be1f-d57550cc96cc" xsi:nil="true"/>
-    <VoteCount xmlns="4873beb7-5857-4685-be1f-d57550cc96cc" xsi:nil="true"/>
-    <AverageRating xmlns="4873beb7-5857-4685-be1f-d57550cc96cc" xsi:nil="true"/>
-    <FeatureTagsTaxHTField0 xmlns="4873beb7-5857-4685-be1f-d57550cc96cc">
-      <Terms xmlns="http://schemas.microsoft.com/office/infopath/2007/PartnerControls"/>
-    </FeatureTagsTaxHTField0>
-    <Provider xmlns="4873beb7-5857-4685-be1f-d57550cc96cc" xsi:nil="true"/>
-    <UACurrentWords xmlns="4873beb7-5857-4685-be1f-d57550cc96cc" xsi:nil="true"/>
-    <AssetId xmlns="4873beb7-5857-4685-be1f-d57550cc96cc">TP103431361</AssetId>
-    <TPClientViewer xmlns="4873beb7-5857-4685-be1f-d57550cc96cc" xsi:nil="true"/>
-    <DSATActionTaken xmlns="4873beb7-5857-4685-be1f-d57550cc96cc" xsi:nil="true"/>
-    <APEditor xmlns="4873beb7-5857-4685-be1f-d57550cc96cc">
-      <UserInfo>
-        <DisplayName/>
-        <AccountId xsi:nil="true"/>
-        <AccountType/>
-      </UserInfo>
-    </APEditor>
-    <TPInstallLocation xmlns="4873beb7-5857-4685-be1f-d57550cc96cc" xsi:nil="true"/>
-    <OOCacheId xmlns="4873beb7-5857-4685-be1f-d57550cc96cc" xsi:nil="true"/>
-    <IsDeleted xmlns="4873beb7-5857-4685-be1f-d57550cc96cc">false</IsDeleted>
-    <PublishTargets xmlns="4873beb7-5857-4685-be1f-d57550cc96cc">OfficeOnlineVNext</PublishTargets>
-    <ApprovalLog xmlns="4873beb7-5857-4685-be1f-d57550cc96cc" xsi:nil="true"/>
-    <BugNumber xmlns="4873beb7-5857-4685-be1f-d57550cc96cc" xsi:nil="true"/>
-    <CrawlForDependencies xmlns="4873beb7-5857-4685-be1f-d57550cc96cc">false</CrawlForDependencies>
-    <InternalTagsTaxHTField0 xmlns="4873beb7-5857-4685-be1f-d57550cc96cc">
-      <Terms xmlns="http://schemas.microsoft.com/office/infopath/2007/PartnerControls"/>
-    </InternalTagsTaxHTField0>
-    <LastHandOff xmlns="4873beb7-5857-4685-be1f-d57550cc96cc" xsi:nil="true"/>
-    <Milestone xmlns="4873beb7-5857-4685-be1f-d57550cc96cc" xsi:nil="true"/>
-    <OriginalRelease xmlns="4873beb7-5857-4685-be1f-d57550cc96cc">15</OriginalRelease>
-    <RecommendationsModifier xmlns="4873beb7-5857-4685-be1f-d57550cc96cc" xsi:nil="true"/>
-    <ScenarioTagsTaxHTField0 xmlns="4873beb7-5857-4685-be1f-d57550cc96cc">
-      <Terms xmlns="http://schemas.microsoft.com/office/infopath/2007/PartnerControls"/>
-    </ScenarioTagsTaxHTField0>
-    <UANotes xmlns="4873beb7-5857-4685-be1f-d57550cc96cc" xsi:nil="true"/>
-  </documentManagement>
-</p:properties>
-</file>
-
-<file path=customXml/item2.xml><?xml version="1.0" encoding="utf-8"?>
 <ct:contentTypeSchema xmlns:ct="http://schemas.microsoft.com/office/2006/metadata/contentType" xmlns:ma="http://schemas.microsoft.com/office/2006/metadata/properties/metaAttributes" ct:_="" ma:_="" ma:contentTypeName="TemplateFile" ma:contentTypeID="0x0101006EDDDB5EE6D98C44930B742096920B300400F5B6D36B3EF94B4E9A635CDF2A18F5B8" ma:contentTypeVersion="72" ma:contentTypeDescription="Create a new document." ma:contentTypeScope="" ma:versionID="a23e56308344d904b51738559c3d67c9">
   <xsd:schema xmlns:xsd="http://www.w3.org/2001/XMLSchema" xmlns:xs="http://www.w3.org/2001/XMLSchema" xmlns:p="http://schemas.microsoft.com/office/2006/metadata/properties" xmlns:ns2="4873beb7-5857-4685-be1f-d57550cc96cc" targetNamespace="http://schemas.microsoft.com/office/2006/metadata/properties" ma:root="true" ma:fieldsID="cd0908cc4600e77bf5da051303e00c8d" ns2:_="">
     <xsd:import namespace="4873beb7-5857-4685-be1f-d57550cc96cc"/>
@@ -18924,6 +18802,132 @@
 </ct:contentTypeSchema>
 </file>
 
+<file path=customXml/item2.xml><?xml version="1.0" encoding="utf-8"?>
+<p:properties xmlns:p="http://schemas.microsoft.com/office/2006/metadata/properties" xmlns:xsi="http://www.w3.org/2001/XMLSchema-instance" xmlns:pc="http://schemas.microsoft.com/office/infopath/2007/PartnerControls">
+  <documentManagement>
+    <APDescription xmlns="4873beb7-5857-4685-be1f-d57550cc96cc" xsi:nil="true"/>
+    <AssetExpire xmlns="4873beb7-5857-4685-be1f-d57550cc96cc">2029-01-01T08:00:00+00:00</AssetExpire>
+    <CampaignTagsTaxHTField0 xmlns="4873beb7-5857-4685-be1f-d57550cc96cc">
+      <Terms xmlns="http://schemas.microsoft.com/office/infopath/2007/PartnerControls"/>
+    </CampaignTagsTaxHTField0>
+    <IntlLangReviewDate xmlns="4873beb7-5857-4685-be1f-d57550cc96cc" xsi:nil="true"/>
+    <TPFriendlyName xmlns="4873beb7-5857-4685-be1f-d57550cc96cc" xsi:nil="true"/>
+    <IntlLangReview xmlns="4873beb7-5857-4685-be1f-d57550cc96cc">false</IntlLangReview>
+    <LocLastLocAttemptVersionLookup xmlns="4873beb7-5857-4685-be1f-d57550cc96cc">855024</LocLastLocAttemptVersionLookup>
+    <PolicheckWords xmlns="4873beb7-5857-4685-be1f-d57550cc96cc" xsi:nil="true"/>
+    <SubmitterId xmlns="4873beb7-5857-4685-be1f-d57550cc96cc" xsi:nil="true"/>
+    <AcquiredFrom xmlns="4873beb7-5857-4685-be1f-d57550cc96cc">Internal MS</AcquiredFrom>
+    <EditorialStatus xmlns="4873beb7-5857-4685-be1f-d57550cc96cc">Complete</EditorialStatus>
+    <Markets xmlns="4873beb7-5857-4685-be1f-d57550cc96cc"/>
+    <OriginAsset xmlns="4873beb7-5857-4685-be1f-d57550cc96cc" xsi:nil="true"/>
+    <AssetStart xmlns="4873beb7-5857-4685-be1f-d57550cc96cc">2012-08-31T08:50:00+00:00</AssetStart>
+    <FriendlyTitle xmlns="4873beb7-5857-4685-be1f-d57550cc96cc" xsi:nil="true"/>
+    <MarketSpecific xmlns="4873beb7-5857-4685-be1f-d57550cc96cc">false</MarketSpecific>
+    <TPNamespace xmlns="4873beb7-5857-4685-be1f-d57550cc96cc" xsi:nil="true"/>
+    <PublishStatusLookup xmlns="4873beb7-5857-4685-be1f-d57550cc96cc">
+      <Value>1616423</Value>
+    </PublishStatusLookup>
+    <APAuthor xmlns="4873beb7-5857-4685-be1f-d57550cc96cc">
+      <UserInfo>
+        <DisplayName>REDMOND\kristaa</DisplayName>
+        <AccountId>136</AccountId>
+        <AccountType/>
+      </UserInfo>
+    </APAuthor>
+    <TPCommandLine xmlns="4873beb7-5857-4685-be1f-d57550cc96cc" xsi:nil="true"/>
+    <IntlLangReviewer xmlns="4873beb7-5857-4685-be1f-d57550cc96cc" xsi:nil="true"/>
+    <OpenTemplate xmlns="4873beb7-5857-4685-be1f-d57550cc96cc">true</OpenTemplate>
+    <CSXSubmissionDate xmlns="4873beb7-5857-4685-be1f-d57550cc96cc" xsi:nil="true"/>
+    <TaxCatchAll xmlns="4873beb7-5857-4685-be1f-d57550cc96cc"/>
+    <Manager xmlns="4873beb7-5857-4685-be1f-d57550cc96cc" xsi:nil="true"/>
+    <NumericId xmlns="4873beb7-5857-4685-be1f-d57550cc96cc" xsi:nil="true"/>
+    <ParentAssetId xmlns="4873beb7-5857-4685-be1f-d57550cc96cc" xsi:nil="true"/>
+    <OriginalSourceMarket xmlns="4873beb7-5857-4685-be1f-d57550cc96cc" xsi:nil="true"/>
+    <ApprovalStatus xmlns="4873beb7-5857-4685-be1f-d57550cc96cc">InProgress</ApprovalStatus>
+    <TPComponent xmlns="4873beb7-5857-4685-be1f-d57550cc96cc" xsi:nil="true"/>
+    <EditorialTags xmlns="4873beb7-5857-4685-be1f-d57550cc96cc" xsi:nil="true"/>
+    <TPExecutable xmlns="4873beb7-5857-4685-be1f-d57550cc96cc" xsi:nil="true"/>
+    <TPLaunchHelpLink xmlns="4873beb7-5857-4685-be1f-d57550cc96cc" xsi:nil="true"/>
+    <LocComments xmlns="4873beb7-5857-4685-be1f-d57550cc96cc" xsi:nil="true"/>
+    <LocRecommendedHandoff xmlns="4873beb7-5857-4685-be1f-d57550cc96cc" xsi:nil="true"/>
+    <SourceTitle xmlns="4873beb7-5857-4685-be1f-d57550cc96cc" xsi:nil="true"/>
+    <CSXUpdate xmlns="4873beb7-5857-4685-be1f-d57550cc96cc">false</CSXUpdate>
+    <IntlLocPriority xmlns="4873beb7-5857-4685-be1f-d57550cc96cc" xsi:nil="true"/>
+    <UAProjectedTotalWords xmlns="4873beb7-5857-4685-be1f-d57550cc96cc" xsi:nil="true"/>
+    <AssetType xmlns="4873beb7-5857-4685-be1f-d57550cc96cc">TP</AssetType>
+    <MachineTranslated xmlns="4873beb7-5857-4685-be1f-d57550cc96cc">false</MachineTranslated>
+    <OutputCachingOn xmlns="4873beb7-5857-4685-be1f-d57550cc96cc">false</OutputCachingOn>
+    <TemplateStatus xmlns="4873beb7-5857-4685-be1f-d57550cc96cc">Complete</TemplateStatus>
+    <IsSearchable xmlns="4873beb7-5857-4685-be1f-d57550cc96cc">true</IsSearchable>
+    <ContentItem xmlns="4873beb7-5857-4685-be1f-d57550cc96cc" xsi:nil="true"/>
+    <HandoffToMSDN xmlns="4873beb7-5857-4685-be1f-d57550cc96cc" xsi:nil="true"/>
+    <ShowIn xmlns="4873beb7-5857-4685-be1f-d57550cc96cc">Show everywhere</ShowIn>
+    <ThumbnailAssetId xmlns="4873beb7-5857-4685-be1f-d57550cc96cc" xsi:nil="true"/>
+    <UALocComments xmlns="4873beb7-5857-4685-be1f-d57550cc96cc" xsi:nil="true"/>
+    <UALocRecommendation xmlns="4873beb7-5857-4685-be1f-d57550cc96cc">Localize</UALocRecommendation>
+    <LastModifiedDateTime xmlns="4873beb7-5857-4685-be1f-d57550cc96cc" xsi:nil="true"/>
+    <LegacyData xmlns="4873beb7-5857-4685-be1f-d57550cc96cc" xsi:nil="true"/>
+    <LocManualTestRequired xmlns="4873beb7-5857-4685-be1f-d57550cc96cc">false</LocManualTestRequired>
+    <LocMarketGroupTiers2 xmlns="4873beb7-5857-4685-be1f-d57550cc96cc" xsi:nil="true"/>
+    <ClipArtFilename xmlns="4873beb7-5857-4685-be1f-d57550cc96cc" xsi:nil="true"/>
+    <TPApplication xmlns="4873beb7-5857-4685-be1f-d57550cc96cc" xsi:nil="true"/>
+    <CSXHash xmlns="4873beb7-5857-4685-be1f-d57550cc96cc" xsi:nil="true"/>
+    <DirectSourceMarket xmlns="4873beb7-5857-4685-be1f-d57550cc96cc" xsi:nil="true"/>
+    <PrimaryImageGen xmlns="4873beb7-5857-4685-be1f-d57550cc96cc">true</PrimaryImageGen>
+    <PlannedPubDate xmlns="4873beb7-5857-4685-be1f-d57550cc96cc" xsi:nil="true"/>
+    <CSXSubmissionMarket xmlns="4873beb7-5857-4685-be1f-d57550cc96cc" xsi:nil="true"/>
+    <Downloads xmlns="4873beb7-5857-4685-be1f-d57550cc96cc">0</Downloads>
+    <ArtSampleDocs xmlns="4873beb7-5857-4685-be1f-d57550cc96cc" xsi:nil="true"/>
+    <TrustLevel xmlns="4873beb7-5857-4685-be1f-d57550cc96cc">1 Microsoft Managed Content</TrustLevel>
+    <BlockPublish xmlns="4873beb7-5857-4685-be1f-d57550cc96cc">false</BlockPublish>
+    <TPLaunchHelpLinkType xmlns="4873beb7-5857-4685-be1f-d57550cc96cc">Template</TPLaunchHelpLinkType>
+    <LocalizationTagsTaxHTField0 xmlns="4873beb7-5857-4685-be1f-d57550cc96cc">
+      <Terms xmlns="http://schemas.microsoft.com/office/infopath/2007/PartnerControls"/>
+    </LocalizationTagsTaxHTField0>
+    <BusinessGroup xmlns="4873beb7-5857-4685-be1f-d57550cc96cc" xsi:nil="true"/>
+    <Providers xmlns="4873beb7-5857-4685-be1f-d57550cc96cc" xsi:nil="true"/>
+    <TemplateTemplateType xmlns="4873beb7-5857-4685-be1f-d57550cc96cc">PowerPoint Presentation Template</TemplateTemplateType>
+    <TimesCloned xmlns="4873beb7-5857-4685-be1f-d57550cc96cc" xsi:nil="true"/>
+    <TPAppVersion xmlns="4873beb7-5857-4685-be1f-d57550cc96cc" xsi:nil="true"/>
+    <VoteCount xmlns="4873beb7-5857-4685-be1f-d57550cc96cc" xsi:nil="true"/>
+    <AverageRating xmlns="4873beb7-5857-4685-be1f-d57550cc96cc" xsi:nil="true"/>
+    <FeatureTagsTaxHTField0 xmlns="4873beb7-5857-4685-be1f-d57550cc96cc">
+      <Terms xmlns="http://schemas.microsoft.com/office/infopath/2007/PartnerControls"/>
+    </FeatureTagsTaxHTField0>
+    <Provider xmlns="4873beb7-5857-4685-be1f-d57550cc96cc" xsi:nil="true"/>
+    <UACurrentWords xmlns="4873beb7-5857-4685-be1f-d57550cc96cc" xsi:nil="true"/>
+    <AssetId xmlns="4873beb7-5857-4685-be1f-d57550cc96cc">TP103431361</AssetId>
+    <TPClientViewer xmlns="4873beb7-5857-4685-be1f-d57550cc96cc" xsi:nil="true"/>
+    <DSATActionTaken xmlns="4873beb7-5857-4685-be1f-d57550cc96cc" xsi:nil="true"/>
+    <APEditor xmlns="4873beb7-5857-4685-be1f-d57550cc96cc">
+      <UserInfo>
+        <DisplayName/>
+        <AccountId xsi:nil="true"/>
+        <AccountType/>
+      </UserInfo>
+    </APEditor>
+    <TPInstallLocation xmlns="4873beb7-5857-4685-be1f-d57550cc96cc" xsi:nil="true"/>
+    <OOCacheId xmlns="4873beb7-5857-4685-be1f-d57550cc96cc" xsi:nil="true"/>
+    <IsDeleted xmlns="4873beb7-5857-4685-be1f-d57550cc96cc">false</IsDeleted>
+    <PublishTargets xmlns="4873beb7-5857-4685-be1f-d57550cc96cc">OfficeOnlineVNext</PublishTargets>
+    <ApprovalLog xmlns="4873beb7-5857-4685-be1f-d57550cc96cc" xsi:nil="true"/>
+    <BugNumber xmlns="4873beb7-5857-4685-be1f-d57550cc96cc" xsi:nil="true"/>
+    <CrawlForDependencies xmlns="4873beb7-5857-4685-be1f-d57550cc96cc">false</CrawlForDependencies>
+    <InternalTagsTaxHTField0 xmlns="4873beb7-5857-4685-be1f-d57550cc96cc">
+      <Terms xmlns="http://schemas.microsoft.com/office/infopath/2007/PartnerControls"/>
+    </InternalTagsTaxHTField0>
+    <LastHandOff xmlns="4873beb7-5857-4685-be1f-d57550cc96cc" xsi:nil="true"/>
+    <Milestone xmlns="4873beb7-5857-4685-be1f-d57550cc96cc" xsi:nil="true"/>
+    <OriginalRelease xmlns="4873beb7-5857-4685-be1f-d57550cc96cc">15</OriginalRelease>
+    <RecommendationsModifier xmlns="4873beb7-5857-4685-be1f-d57550cc96cc" xsi:nil="true"/>
+    <ScenarioTagsTaxHTField0 xmlns="4873beb7-5857-4685-be1f-d57550cc96cc">
+      <Terms xmlns="http://schemas.microsoft.com/office/infopath/2007/PartnerControls"/>
+    </ScenarioTagsTaxHTField0>
+    <UANotes xmlns="4873beb7-5857-4685-be1f-d57550cc96cc" xsi:nil="true"/>
+  </documentManagement>
+</p:properties>
+</file>
+
 <file path=customXml/item3.xml><?xml version="1.0" encoding="utf-8"?>
 <?mso-contentType ?>
 <FormTemplates xmlns="http://schemas.microsoft.com/sharepoint/v3/contenttype/forms">
@@ -18934,16 +18938,6 @@
 </file>
 
 <file path=customXml/itemProps1.xml><?xml version="1.0" encoding="utf-8"?>
-<ds:datastoreItem xmlns:ds="http://schemas.openxmlformats.org/officeDocument/2006/customXml" ds:itemID="{8CDDBB83-77C1-4099-A0AA-289882E745E2}">
-  <ds:schemaRefs>
-    <ds:schemaRef ds:uri="http://schemas.microsoft.com/office/2006/metadata/properties"/>
-    <ds:schemaRef ds:uri="http://schemas.microsoft.com/office/infopath/2007/PartnerControls"/>
-    <ds:schemaRef ds:uri="4873beb7-5857-4685-be1f-d57550cc96cc"/>
-  </ds:schemaRefs>
-</ds:datastoreItem>
-</file>
-
-<file path=customXml/itemProps2.xml><?xml version="1.0" encoding="utf-8"?>
 <ds:datastoreItem xmlns:ds="http://schemas.openxmlformats.org/officeDocument/2006/customXml" ds:itemID="{28C8B9CA-0273-4370-889A-FC05DA5C2FA5}">
   <ds:schemaRefs>
     <ds:schemaRef ds:uri="http://schemas.microsoft.com/office/2006/metadata/contentType"/>
@@ -18961,6 +18955,16 @@
 </ds:datastoreItem>
 </file>
 
+<file path=customXml/itemProps2.xml><?xml version="1.0" encoding="utf-8"?>
+<ds:datastoreItem xmlns:ds="http://schemas.openxmlformats.org/officeDocument/2006/customXml" ds:itemID="{8CDDBB83-77C1-4099-A0AA-289882E745E2}">
+  <ds:schemaRefs>
+    <ds:schemaRef ds:uri="http://schemas.microsoft.com/office/2006/metadata/properties"/>
+    <ds:schemaRef ds:uri="http://schemas.microsoft.com/office/infopath/2007/PartnerControls"/>
+    <ds:schemaRef ds:uri="4873beb7-5857-4685-be1f-d57550cc96cc"/>
+  </ds:schemaRefs>
+</ds:datastoreItem>
+</file>
+
 <file path=customXml/itemProps3.xml><?xml version="1.0" encoding="utf-8"?>
 <ds:datastoreItem xmlns:ds="http://schemas.openxmlformats.org/officeDocument/2006/customXml" ds:itemID="{561E720F-F05D-4536-9C34-0CFCED65D3B7}">
   <ds:schemaRefs>
